--- a/Docs/CRC_presentation.pptx
+++ b/Docs/CRC_presentation.pptx
@@ -12,8 +12,8 @@
     <p:sldId id="261" r:id="rId6"/>
     <p:sldId id="263" r:id="rId7"/>
     <p:sldId id="264" r:id="rId8"/>
-    <p:sldId id="265" r:id="rId9"/>
-    <p:sldId id="266" r:id="rId10"/>
+    <p:sldId id="266" r:id="rId9"/>
+    <p:sldId id="265" r:id="rId10"/>
     <p:sldId id="267" r:id="rId11"/>
   </p:sldIdLst>
   <p:sldSz cx="12192000" cy="6858000"/>
@@ -113,7 +113,18 @@
       </a:defRPr>
     </a:lvl9pPr>
   </p:defaultTextStyle>
+  <p:extLst>
+    <p:ext uri="{EFAFB233-063F-42B5-8137-9DF3F51BA10A}">
+      <p15:sldGuideLst xmlns:p15="http://schemas.microsoft.com/office/powerpoint/2012/main"/>
+    </p:ext>
+  </p:extLst>
 </p:presentation>
+</file>
+
+<file path=ppt/authors.xml><?xml version="1.0" encoding="utf-8"?>
+<p188:authorLst xmlns:a="http://schemas.openxmlformats.org/drawingml/2006/main" xmlns:r="http://schemas.openxmlformats.org/officeDocument/2006/relationships" xmlns:p188="http://schemas.microsoft.com/office/powerpoint/2018/8/main">
+  <p188:author id="{918B8671-11C9-4E10-FDD7-F9DCE83BC305}" name="Fábio Cruz" initials="FC" userId="Fábio Cruz" providerId="None"/>
+</p188:authorLst>
 </file>
 
 <file path=ppt/slideLayouts/slideLayout1.xml><?xml version="1.0" encoding="utf-8"?>
@@ -263,7 +274,7 @@
           <a:p>
             <a:fld id="{F1696050-403C-49FC-A459-B4A7AE493B04}" type="datetimeFigureOut">
               <a:rPr lang="pt-PT" smtClean="0"/>
-              <a:t>11/11/2021</a:t>
+              <a:t>12/11/2021</a:t>
             </a:fld>
             <a:endParaRPr lang="pt-PT"/>
           </a:p>
@@ -461,7 +472,7 @@
           <a:p>
             <a:fld id="{F1696050-403C-49FC-A459-B4A7AE493B04}" type="datetimeFigureOut">
               <a:rPr lang="pt-PT" smtClean="0"/>
-              <a:t>11/11/2021</a:t>
+              <a:t>12/11/2021</a:t>
             </a:fld>
             <a:endParaRPr lang="pt-PT"/>
           </a:p>
@@ -669,7 +680,7 @@
           <a:p>
             <a:fld id="{F1696050-403C-49FC-A459-B4A7AE493B04}" type="datetimeFigureOut">
               <a:rPr lang="pt-PT" smtClean="0"/>
-              <a:t>11/11/2021</a:t>
+              <a:t>12/11/2021</a:t>
             </a:fld>
             <a:endParaRPr lang="pt-PT"/>
           </a:p>
@@ -867,7 +878,7 @@
           <a:p>
             <a:fld id="{F1696050-403C-49FC-A459-B4A7AE493B04}" type="datetimeFigureOut">
               <a:rPr lang="pt-PT" smtClean="0"/>
-              <a:t>11/11/2021</a:t>
+              <a:t>12/11/2021</a:t>
             </a:fld>
             <a:endParaRPr lang="pt-PT"/>
           </a:p>
@@ -1142,7 +1153,7 @@
           <a:p>
             <a:fld id="{F1696050-403C-49FC-A459-B4A7AE493B04}" type="datetimeFigureOut">
               <a:rPr lang="pt-PT" smtClean="0"/>
-              <a:t>11/11/2021</a:t>
+              <a:t>12/11/2021</a:t>
             </a:fld>
             <a:endParaRPr lang="pt-PT"/>
           </a:p>
@@ -1407,7 +1418,7 @@
           <a:p>
             <a:fld id="{F1696050-403C-49FC-A459-B4A7AE493B04}" type="datetimeFigureOut">
               <a:rPr lang="pt-PT" smtClean="0"/>
-              <a:t>11/11/2021</a:t>
+              <a:t>12/11/2021</a:t>
             </a:fld>
             <a:endParaRPr lang="pt-PT"/>
           </a:p>
@@ -1819,7 +1830,7 @@
           <a:p>
             <a:fld id="{F1696050-403C-49FC-A459-B4A7AE493B04}" type="datetimeFigureOut">
               <a:rPr lang="pt-PT" smtClean="0"/>
-              <a:t>11/11/2021</a:t>
+              <a:t>12/11/2021</a:t>
             </a:fld>
             <a:endParaRPr lang="pt-PT"/>
           </a:p>
@@ -1960,7 +1971,7 @@
           <a:p>
             <a:fld id="{F1696050-403C-49FC-A459-B4A7AE493B04}" type="datetimeFigureOut">
               <a:rPr lang="pt-PT" smtClean="0"/>
-              <a:t>11/11/2021</a:t>
+              <a:t>12/11/2021</a:t>
             </a:fld>
             <a:endParaRPr lang="pt-PT"/>
           </a:p>
@@ -2073,7 +2084,7 @@
           <a:p>
             <a:fld id="{F1696050-403C-49FC-A459-B4A7AE493B04}" type="datetimeFigureOut">
               <a:rPr lang="pt-PT" smtClean="0"/>
-              <a:t>11/11/2021</a:t>
+              <a:t>12/11/2021</a:t>
             </a:fld>
             <a:endParaRPr lang="pt-PT"/>
           </a:p>
@@ -2384,7 +2395,7 @@
           <a:p>
             <a:fld id="{F1696050-403C-49FC-A459-B4A7AE493B04}" type="datetimeFigureOut">
               <a:rPr lang="pt-PT" smtClean="0"/>
-              <a:t>11/11/2021</a:t>
+              <a:t>12/11/2021</a:t>
             </a:fld>
             <a:endParaRPr lang="pt-PT"/>
           </a:p>
@@ -2672,7 +2683,7 @@
           <a:p>
             <a:fld id="{F1696050-403C-49FC-A459-B4A7AE493B04}" type="datetimeFigureOut">
               <a:rPr lang="pt-PT" smtClean="0"/>
-              <a:t>11/11/2021</a:t>
+              <a:t>12/11/2021</a:t>
             </a:fld>
             <a:endParaRPr lang="pt-PT"/>
           </a:p>
@@ -2913,7 +2924,7 @@
           <a:p>
             <a:fld id="{F1696050-403C-49FC-A459-B4A7AE493B04}" type="datetimeFigureOut">
               <a:rPr lang="pt-PT" smtClean="0"/>
-              <a:t>11/11/2021</a:t>
+              <a:t>12/11/2021</a:t>
             </a:fld>
             <a:endParaRPr lang="pt-PT"/>
           </a:p>
@@ -3394,7 +3405,7 @@
           <a:lstStyle/>
           <a:p>
             <a:pPr algn="ctr"/>
-            <a:endParaRPr lang="en-US"/>
+            <a:endParaRPr lang="en-US" dirty="0"/>
           </a:p>
         </p:txBody>
       </p:sp>
@@ -3635,7 +3646,7 @@
               <a:tabLst/>
               <a:defRPr/>
             </a:pPr>
-            <a:endParaRPr kumimoji="0" lang="en-US" sz="1800" b="0" i="0" u="none" strike="noStrike" kern="1200" cap="none" spc="0" normalizeH="0" baseline="0" noProof="0">
+            <a:endParaRPr kumimoji="0" lang="en-US" sz="1800" b="0" i="0" u="none" strike="noStrike" kern="1200" cap="none" spc="0" normalizeH="0" baseline="0" noProof="0" dirty="0">
               <a:ln>
                 <a:noFill/>
               </a:ln>
@@ -3798,7 +3809,7 @@
               <a:tabLst/>
               <a:defRPr/>
             </a:pPr>
-            <a:endParaRPr kumimoji="0" lang="en-US" sz="1800" b="0" i="0" u="none" strike="noStrike" kern="1200" cap="none" spc="0" normalizeH="0" baseline="0" noProof="0">
+            <a:endParaRPr kumimoji="0" lang="en-US" sz="1800" b="0" i="0" u="none" strike="noStrike" kern="1200" cap="none" spc="0" normalizeH="0" baseline="0" noProof="0" dirty="0">
               <a:ln>
                 <a:noFill/>
               </a:ln>
@@ -3976,7 +3987,7 @@
               <a:tabLst/>
               <a:defRPr/>
             </a:pPr>
-            <a:endParaRPr kumimoji="0" lang="en-US" sz="1800" b="0" i="0" u="none" strike="noStrike" kern="1200" cap="none" spc="0" normalizeH="0" baseline="0" noProof="0">
+            <a:endParaRPr kumimoji="0" lang="en-US" sz="1800" b="0" i="0" u="none" strike="noStrike" kern="1200" cap="none" spc="0" normalizeH="0" baseline="0" noProof="0" dirty="0">
               <a:ln>
                 <a:noFill/>
               </a:ln>
@@ -4069,7 +4080,7 @@
               <a:tabLst/>
               <a:defRPr/>
             </a:pPr>
-            <a:endParaRPr kumimoji="0" lang="en-US" sz="1800" b="0" i="0" u="none" strike="noStrike" kern="1200" cap="none" spc="0" normalizeH="0" baseline="0" noProof="0">
+            <a:endParaRPr kumimoji="0" lang="en-US" sz="1800" b="0" i="0" u="none" strike="noStrike" kern="1200" cap="none" spc="0" normalizeH="0" baseline="0" noProof="0" dirty="0">
               <a:ln>
                 <a:noFill/>
               </a:ln>
@@ -4180,7 +4191,7 @@
           <a:lstStyle/>
           <a:p>
             <a:pPr algn="ctr"/>
-            <a:endParaRPr lang="en-US"/>
+            <a:endParaRPr lang="en-US" dirty="0"/>
           </a:p>
         </p:txBody>
       </p:sp>
@@ -4266,7 +4277,7 @@
               <a:tabLst/>
               <a:defRPr/>
             </a:pPr>
-            <a:endParaRPr kumimoji="0" lang="en-US" sz="1800" b="0" i="0" u="none" strike="noStrike" kern="1200" cap="none" spc="0" normalizeH="0" baseline="0" noProof="0">
+            <a:endParaRPr kumimoji="0" lang="en-US" sz="1800" b="0" i="0" u="none" strike="noStrike" kern="1200" cap="none" spc="0" normalizeH="0" baseline="0" noProof="0" dirty="0">
               <a:ln>
                 <a:noFill/>
               </a:ln>
@@ -4312,7 +4323,7 @@
           <a:lstStyle/>
           <a:p>
             <a:r>
-              <a:rPr lang="en-US" sz="4000" b="1" kern="1200" dirty="0">
+              <a:rPr lang="en-US" sz="3200" b="1" kern="1200" dirty="0">
                 <a:solidFill>
                   <a:schemeClr val="tx1"/>
                 </a:solidFill>
@@ -4323,11 +4334,11 @@
               <a:t>Conclusion and Future </a:t>
             </a:r>
             <a:r>
-              <a:rPr lang="en-US" sz="4000" b="1" dirty="0"/>
+              <a:rPr lang="en-US" sz="3200" b="1" dirty="0"/>
               <a:t>W</a:t>
             </a:r>
             <a:r>
-              <a:rPr lang="en-US" sz="4000" b="1" kern="1200" dirty="0">
+              <a:rPr lang="en-US" sz="3200" b="1" kern="1200" dirty="0">
                 <a:solidFill>
                   <a:schemeClr val="tx1"/>
                 </a:solidFill>
@@ -4399,7 +4410,7 @@
           <a:lstStyle/>
           <a:p>
             <a:pPr algn="ctr"/>
-            <a:endParaRPr lang="en-US">
+            <a:endParaRPr lang="en-US" dirty="0">
               <a:solidFill>
                 <a:prstClr val="white"/>
               </a:solidFill>
@@ -4468,7 +4479,7 @@
           <a:lstStyle/>
           <a:p>
             <a:pPr algn="ctr"/>
-            <a:endParaRPr lang="en-US">
+            <a:endParaRPr lang="en-US" dirty="0">
               <a:solidFill>
                 <a:prstClr val="white"/>
               </a:solidFill>
@@ -4491,8 +4502,8 @@
         </p:nvSpPr>
         <p:spPr>
           <a:xfrm>
-            <a:off x="494784" y="2760037"/>
-            <a:ext cx="4270343" cy="2308324"/>
+            <a:off x="494784" y="2642375"/>
+            <a:ext cx="10534577" cy="2031325"/>
           </a:xfrm>
           <a:prstGeom prst="rect">
             <a:avLst/>
@@ -4515,7 +4526,7 @@
             </a:r>
             <a:r>
               <a:rPr lang="pt-PT" dirty="0" err="1"/>
-              <a:t>fastest</a:t>
+              <a:t>is</a:t>
             </a:r>
             <a:r>
               <a:rPr lang="pt-PT" dirty="0"/>
@@ -4523,23 +4534,7 @@
             </a:r>
             <a:r>
               <a:rPr lang="pt-PT" dirty="0" err="1"/>
-              <a:t>and</a:t>
-            </a:r>
-            <a:r>
-              <a:rPr lang="pt-PT" dirty="0"/>
-              <a:t> similar </a:t>
-            </a:r>
-            <a:r>
-              <a:rPr lang="pt-PT" dirty="0" err="1"/>
-              <a:t>accuracy</a:t>
-            </a:r>
-            <a:r>
-              <a:rPr lang="pt-PT" dirty="0"/>
-              <a:t> to </a:t>
-            </a:r>
-            <a:r>
-              <a:rPr lang="pt-PT" dirty="0" err="1"/>
-              <a:t>Louvain</a:t>
+              <a:t>the</a:t>
             </a:r>
             <a:r>
               <a:rPr lang="pt-PT" dirty="0"/>
@@ -4547,12 +4542,21 @@
             </a:r>
             <a:r>
               <a:rPr lang="pt-PT" dirty="0" err="1"/>
-              <a:t>and</a:t>
+              <a:t>most</a:t>
             </a:r>
             <a:r>
               <a:rPr lang="pt-PT" dirty="0"/>
-              <a:t> Infomap</a:t>
-            </a:r>
+              <a:t> </a:t>
+            </a:r>
+            <a:r>
+              <a:rPr lang="en-GB" dirty="0"/>
+              <a:t>efficient </a:t>
+            </a:r>
+            <a:r>
+              <a:rPr lang="pt-PT" dirty="0" err="1"/>
+              <a:t>algorithm</a:t>
+            </a:r>
+            <a:endParaRPr lang="pt-PT" dirty="0"/>
           </a:p>
           <a:p>
             <a:pPr marL="285750" indent="-285750">
@@ -4561,22 +4565,56 @@
             </a:pPr>
             <a:r>
               <a:rPr lang="pt-PT" dirty="0" err="1"/>
-              <a:t>Girvan</a:t>
+              <a:t>Louvain</a:t>
             </a:r>
             <a:r>
               <a:rPr lang="pt-PT" dirty="0"/>
-              <a:t>-Newman </a:t>
+              <a:t>, Leiden </a:t>
             </a:r>
             <a:r>
               <a:rPr lang="pt-PT" dirty="0" err="1"/>
-              <a:t>not</a:t>
+              <a:t>and</a:t>
             </a:r>
             <a:r>
               <a:rPr lang="pt-PT" dirty="0"/>
-              <a:t> cool</a:t>
-            </a:r>
-          </a:p>
-          <a:p>
+              <a:t> Infomap </a:t>
+            </a:r>
+            <a:r>
+              <a:rPr lang="pt-PT" dirty="0" err="1"/>
+              <a:t>give</a:t>
+            </a:r>
+            <a:r>
+              <a:rPr lang="pt-PT" dirty="0"/>
+              <a:t> similar </a:t>
+            </a:r>
+            <a:r>
+              <a:rPr lang="pt-PT" dirty="0" err="1"/>
+              <a:t>accuracy</a:t>
+            </a:r>
+            <a:r>
+              <a:rPr lang="pt-PT" dirty="0"/>
+              <a:t> </a:t>
+            </a:r>
+            <a:r>
+              <a:rPr lang="pt-PT" dirty="0" err="1"/>
+              <a:t>results</a:t>
+            </a:r>
+            <a:r>
+              <a:rPr lang="pt-PT" dirty="0"/>
+              <a:t> for </a:t>
+            </a:r>
+            <a:r>
+              <a:rPr lang="pt-PT" dirty="0" err="1"/>
+              <a:t>the</a:t>
+            </a:r>
+            <a:r>
+              <a:rPr lang="pt-PT" dirty="0"/>
+              <a:t> networks </a:t>
+            </a:r>
+            <a:r>
+              <a:rPr lang="pt-PT" dirty="0" err="1"/>
+              <a:t>tested</a:t>
+            </a:r>
             <a:endParaRPr lang="pt-PT" dirty="0"/>
           </a:p>
           <a:p>
@@ -4586,7 +4624,15 @@
             </a:pPr>
             <a:r>
               <a:rPr lang="pt-PT" dirty="0" err="1"/>
-              <a:t>Maybe</a:t>
+              <a:t>Girvan</a:t>
+            </a:r>
+            <a:r>
+              <a:rPr lang="pt-PT" dirty="0"/>
+              <a:t>-Newman </a:t>
+            </a:r>
+            <a:r>
+              <a:rPr lang="pt-PT" dirty="0" err="1"/>
+              <a:t>was</a:t>
             </a:r>
             <a:r>
               <a:rPr lang="pt-PT" dirty="0"/>
@@ -4594,7 +4640,7 @@
             </a:r>
             <a:r>
               <a:rPr lang="pt-PT" dirty="0" err="1"/>
-              <a:t>try</a:t>
+              <a:t>the</a:t>
             </a:r>
             <a:r>
               <a:rPr lang="pt-PT" dirty="0"/>
@@ -4602,7 +4648,7 @@
             </a:r>
             <a:r>
               <a:rPr lang="pt-PT" dirty="0" err="1"/>
-              <a:t>Overlapping</a:t>
+              <a:t>slowest</a:t>
             </a:r>
             <a:r>
               <a:rPr lang="pt-PT" dirty="0"/>
@@ -4610,12 +4656,50 @@
             </a:r>
             <a:r>
               <a:rPr lang="pt-PT" dirty="0" err="1"/>
-              <a:t>method</a:t>
+              <a:t>and</a:t>
             </a:r>
             <a:r>
               <a:rPr lang="pt-PT" dirty="0"/>
-              <a:t>?</a:t>
-            </a:r>
+              <a:t> </a:t>
+            </a:r>
+            <a:r>
+              <a:rPr lang="pt-PT" dirty="0" err="1"/>
+              <a:t>least</a:t>
+            </a:r>
+            <a:r>
+              <a:rPr lang="pt-PT" dirty="0"/>
+              <a:t> </a:t>
+            </a:r>
+            <a:r>
+              <a:rPr lang="pt-PT" dirty="0" err="1"/>
+              <a:t>accurate</a:t>
+            </a:r>
+            <a:r>
+              <a:rPr lang="pt-PT" dirty="0"/>
+              <a:t> for </a:t>
+            </a:r>
+            <a:r>
+              <a:rPr lang="pt-PT" dirty="0" err="1"/>
+              <a:t>the</a:t>
+            </a:r>
+            <a:r>
+              <a:rPr lang="pt-PT" dirty="0"/>
+              <a:t> Email </a:t>
+            </a:r>
+            <a:r>
+              <a:rPr lang="pt-PT" dirty="0" err="1"/>
+              <a:t>and</a:t>
+            </a:r>
+            <a:r>
+              <a:rPr lang="pt-PT" dirty="0"/>
+              <a:t> SBM networks</a:t>
+            </a:r>
+          </a:p>
+          <a:p>
+            <a:endParaRPr lang="pt-PT" dirty="0"/>
+          </a:p>
+          <a:p>
+            <a:endParaRPr lang="pt-PT" dirty="0"/>
           </a:p>
           <a:p>
             <a:pPr marL="285750" indent="-285750">
@@ -4624,7 +4708,7 @@
             </a:pPr>
             <a:r>
               <a:rPr lang="pt-PT" dirty="0" err="1"/>
-              <a:t>Maybe</a:t>
+              <a:t>Try</a:t>
             </a:r>
             <a:r>
               <a:rPr lang="pt-PT" dirty="0"/>
@@ -4632,7 +4716,7 @@
             </a:r>
             <a:r>
               <a:rPr lang="pt-PT" dirty="0" err="1"/>
-              <a:t>try</a:t>
+              <a:t>different</a:t>
             </a:r>
             <a:r>
               <a:rPr lang="pt-PT" dirty="0"/>
@@ -4640,7 +4724,7 @@
             </a:r>
             <a:r>
               <a:rPr lang="pt-PT" dirty="0" err="1"/>
-              <a:t>method</a:t>
+              <a:t>types</a:t>
             </a:r>
             <a:r>
               <a:rPr lang="pt-PT" dirty="0"/>
@@ -4648,7 +4732,7 @@
             </a:r>
             <a:r>
               <a:rPr lang="pt-PT" dirty="0" err="1"/>
-              <a:t>that</a:t>
+              <a:t>of</a:t>
             </a:r>
             <a:r>
               <a:rPr lang="pt-PT" dirty="0"/>
@@ -4656,49 +4740,20 @@
             </a:r>
             <a:r>
               <a:rPr lang="pt-PT" dirty="0" err="1"/>
-              <a:t>considers</a:t>
+              <a:t>algorithms</a:t>
             </a:r>
             <a:r>
               <a:rPr lang="pt-PT" dirty="0"/>
-              <a:t> nodes </a:t>
+              <a:t> (</a:t>
             </a:r>
             <a:r>
               <a:rPr lang="pt-PT" dirty="0" err="1"/>
-              <a:t>that</a:t>
+              <a:t>Overlapping</a:t>
             </a:r>
             <a:r>
               <a:rPr lang="pt-PT" dirty="0"/>
-              <a:t> </a:t>
-            </a:r>
-            <a:r>
-              <a:rPr lang="pt-PT" dirty="0" err="1"/>
-              <a:t>dont</a:t>
-            </a:r>
-            <a:r>
-              <a:rPr lang="pt-PT" dirty="0"/>
-              <a:t> </a:t>
-            </a:r>
-            <a:r>
-              <a:rPr lang="pt-PT" dirty="0" err="1"/>
-              <a:t>belong</a:t>
-            </a:r>
-            <a:r>
-              <a:rPr lang="pt-PT" dirty="0"/>
-              <a:t> to </a:t>
-            </a:r>
-            <a:r>
-              <a:rPr lang="pt-PT" dirty="0" err="1"/>
-              <a:t>any</a:t>
-            </a:r>
-            <a:r>
-              <a:rPr lang="pt-PT" dirty="0"/>
-              <a:t> </a:t>
-            </a:r>
-            <a:r>
-              <a:rPr lang="pt-PT" dirty="0" err="1"/>
-              <a:t>community</a:t>
-            </a:r>
-            <a:endParaRPr lang="pt-PT" dirty="0"/>
+              <a:t>)</a:t>
+            </a:r>
           </a:p>
           <a:p>
             <a:pPr marL="285750" indent="-285750">
@@ -4718,6 +4773,84 @@
               <a:t>Modularity</a:t>
             </a:r>
             <a:endParaRPr lang="pt-PT" dirty="0"/>
+          </a:p>
+        </p:txBody>
+      </p:sp>
+      <p:sp>
+        <p:nvSpPr>
+          <p:cNvPr id="4" name="CaixaDeTexto 3">
+            <a:extLst>
+              <a:ext uri="{FF2B5EF4-FFF2-40B4-BE49-F238E27FC236}">
+                <a16:creationId xmlns:a16="http://schemas.microsoft.com/office/drawing/2014/main" id="{6613F573-8ADE-4E27-94FF-33F4498FFCF4}"/>
+              </a:ext>
+            </a:extLst>
+          </p:cNvPr>
+          <p:cNvSpPr txBox="1"/>
+          <p:nvPr/>
+        </p:nvSpPr>
+        <p:spPr>
+          <a:xfrm>
+            <a:off x="558792" y="5438124"/>
+            <a:ext cx="11378152" cy="923330"/>
+          </a:xfrm>
+          <a:prstGeom prst="rect">
+            <a:avLst/>
+          </a:prstGeom>
+          <a:noFill/>
+        </p:spPr>
+        <p:txBody>
+          <a:bodyPr wrap="square" rtlCol="0">
+            <a:spAutoFit/>
+          </a:bodyPr>
+          <a:lstStyle/>
+          <a:p>
+            <a:r>
+              <a:rPr lang="pt-PT" dirty="0" err="1">
+                <a:solidFill>
+                  <a:schemeClr val="accent3"/>
+                </a:solidFill>
+              </a:rPr>
+              <a:t>Image</a:t>
+            </a:r>
+            <a:r>
+              <a:rPr lang="pt-PT" dirty="0">
+                <a:solidFill>
+                  <a:schemeClr val="accent3"/>
+                </a:solidFill>
+              </a:rPr>
+              <a:t> </a:t>
+            </a:r>
+            <a:r>
+              <a:rPr lang="pt-PT" dirty="0" err="1">
+                <a:solidFill>
+                  <a:schemeClr val="accent3"/>
+                </a:solidFill>
+              </a:rPr>
+              <a:t>References</a:t>
+            </a:r>
+            <a:r>
+              <a:rPr lang="pt-PT" dirty="0">
+                <a:solidFill>
+                  <a:schemeClr val="accent3"/>
+                </a:solidFill>
+              </a:rPr>
+              <a:t>:</a:t>
+            </a:r>
+          </a:p>
+          <a:p>
+            <a:r>
+              <a:rPr lang="en-US" dirty="0">
+                <a:solidFill>
+                  <a:schemeClr val="accent3"/>
+                </a:solidFill>
+              </a:rPr>
+              <a:t>Barabási, A. L. (2013). Network science. Philosophical Transactions of the Royal Society A: Mathematical, Physical and Engineering Sciences, 371(1987), 20120375. https://doi.org/10.1098/rsta.2012.0375</a:t>
+            </a:r>
+            <a:endParaRPr lang="pt-PT" dirty="0">
+              <a:solidFill>
+                <a:schemeClr val="accent3"/>
+              </a:solidFill>
+            </a:endParaRPr>
           </a:p>
         </p:txBody>
       </p:sp>
@@ -4815,7 +4948,7 @@
           <a:lstStyle/>
           <a:p>
             <a:pPr algn="ctr"/>
-            <a:endParaRPr lang="en-US"/>
+            <a:endParaRPr lang="en-US" dirty="0"/>
           </a:p>
         </p:txBody>
       </p:sp>
@@ -4901,7 +5034,7 @@
               <a:tabLst/>
               <a:defRPr/>
             </a:pPr>
-            <a:endParaRPr kumimoji="0" lang="en-US" sz="1800" b="0" i="0" u="none" strike="noStrike" kern="1200" cap="none" spc="0" normalizeH="0" baseline="0" noProof="0">
+            <a:endParaRPr kumimoji="0" lang="en-US" sz="1800" b="0" i="0" u="none" strike="noStrike" kern="1200" cap="none" spc="0" normalizeH="0" baseline="0" noProof="0" dirty="0">
               <a:ln>
                 <a:noFill/>
               </a:ln>
@@ -4947,9 +5080,10 @@
           <a:lstStyle/>
           <a:p>
             <a:r>
-              <a:rPr lang="pt-PT" sz="3200" b="1"/>
+              <a:rPr lang="pt-PT" sz="3200" b="1" dirty="0" err="1"/>
               <a:t>Algorithms</a:t>
             </a:r>
+            <a:endParaRPr lang="pt-PT" sz="3200" b="1" dirty="0"/>
           </a:p>
         </p:txBody>
       </p:sp>
@@ -5530,7 +5664,7 @@
           <a:lstStyle/>
           <a:p>
             <a:r>
-              <a:rPr lang="pt-PT" sz="3200" b="1"/>
+              <a:rPr lang="pt-PT" sz="3200" b="1" dirty="0"/>
               <a:t>Networks</a:t>
             </a:r>
           </a:p>
@@ -6118,7 +6252,7 @@
           <a:lstStyle/>
           <a:p>
             <a:r>
-              <a:rPr lang="pt-PT" sz="3200" b="1"/>
+              <a:rPr lang="pt-PT" sz="3200" b="1" dirty="0"/>
               <a:t>Networks</a:t>
             </a:r>
           </a:p>
@@ -6734,7 +6868,7 @@
           <a:lstStyle/>
           <a:p>
             <a:r>
-              <a:rPr lang="en-US" sz="2800" b="1"/>
+              <a:rPr lang="en-US" sz="2800" b="1" dirty="0"/>
               <a:t>Girvan-Newman and Infomap parameters</a:t>
             </a:r>
           </a:p>
@@ -7059,7 +7193,7 @@
         </p:blipFill>
         <p:spPr>
           <a:xfrm>
-            <a:off x="3081528" y="3399506"/>
+            <a:off x="5814199" y="3392106"/>
             <a:ext cx="2990913" cy="2053221"/>
           </a:xfrm>
           <a:prstGeom prst="rect">
@@ -7095,7 +7229,7 @@
         </p:blipFill>
         <p:spPr bwMode="auto">
           <a:xfrm>
-            <a:off x="8618921" y="3465893"/>
+            <a:off x="8618921" y="3465894"/>
             <a:ext cx="3102942" cy="1920445"/>
           </a:xfrm>
           <a:prstGeom prst="rect">
@@ -7132,7 +7266,7 @@
         </p:blipFill>
         <p:spPr bwMode="auto">
           <a:xfrm>
-            <a:off x="5799220" y="3474213"/>
+            <a:off x="2858786" y="3491077"/>
             <a:ext cx="3196767" cy="1978514"/>
           </a:xfrm>
           <a:prstGeom prst="rect">
@@ -7839,7 +7973,7 @@
         </p:blipFill>
         <p:spPr>
           <a:xfrm>
-            <a:off x="554416" y="5539941"/>
+            <a:off x="4984205" y="4172786"/>
             <a:ext cx="5841240" cy="639797"/>
           </a:xfrm>
           <a:prstGeom prst="rect">
@@ -7874,8 +8008,8 @@
         </p:blipFill>
         <p:spPr bwMode="auto">
           <a:xfrm>
-            <a:off x="554416" y="2676139"/>
-            <a:ext cx="3817740" cy="2521512"/>
+            <a:off x="490408" y="3143359"/>
+            <a:ext cx="4085942" cy="2698652"/>
           </a:xfrm>
           <a:prstGeom prst="rect">
             <a:avLst/>
@@ -8117,7 +8251,7 @@
           <a:lstStyle/>
           <a:p>
             <a:r>
-              <a:rPr lang="en-US" sz="4000" b="1" kern="1200">
+              <a:rPr lang="en-US" sz="3200" b="1" kern="1200" dirty="0">
                 <a:solidFill>
                   <a:schemeClr val="tx1"/>
                 </a:solidFill>
@@ -8127,14 +8261,6 @@
               </a:rPr>
               <a:t>Internal Properties</a:t>
             </a:r>
-            <a:endParaRPr lang="en-US" sz="4000" b="1" kern="1200" dirty="0">
-              <a:solidFill>
-                <a:schemeClr val="tx1"/>
-              </a:solidFill>
-              <a:latin typeface="+mj-lt"/>
-              <a:ea typeface="+mj-ea"/>
-              <a:cs typeface="+mj-cs"/>
-            </a:endParaRPr>
           </a:p>
         </p:txBody>
       </p:sp>
@@ -8297,8 +8423,8 @@
         </p:blipFill>
         <p:spPr>
           <a:xfrm>
-            <a:off x="584775" y="2091095"/>
-            <a:ext cx="11025915" cy="4206240"/>
+            <a:off x="558792" y="2541599"/>
+            <a:ext cx="8323555" cy="3175326"/>
           </a:xfrm>
           <a:prstGeom prst="rect">
             <a:avLst/>
@@ -8531,10 +8657,38 @@
           <a:lstStyle/>
           <a:p>
             <a:r>
-              <a:rPr lang="en-US" sz="4000" b="1"/>
-              <a:t>Modularity</a:t>
-            </a:r>
-            <a:endParaRPr lang="en-US" sz="4000" b="1" kern="1200" dirty="0">
+              <a:rPr lang="en-US" sz="3200" b="1" kern="1200" dirty="0">
+                <a:solidFill>
+                  <a:schemeClr val="tx1"/>
+                </a:solidFill>
+                <a:latin typeface="+mj-lt"/>
+                <a:ea typeface="+mj-ea"/>
+                <a:cs typeface="+mj-cs"/>
+              </a:rPr>
+              <a:t>Accuracy</a:t>
+            </a:r>
+            <a:br>
+              <a:rPr lang="en-US" sz="3200" b="1" kern="1200" dirty="0">
+                <a:solidFill>
+                  <a:schemeClr val="tx1"/>
+                </a:solidFill>
+                <a:latin typeface="+mj-lt"/>
+                <a:ea typeface="+mj-ea"/>
+                <a:cs typeface="+mj-cs"/>
+              </a:rPr>
+            </a:br>
+            <a:r>
+              <a:rPr lang="en-US" sz="2000" b="1" kern="1200" dirty="0">
+                <a:solidFill>
+                  <a:schemeClr val="tx1"/>
+                </a:solidFill>
+                <a:latin typeface="+mj-lt"/>
+                <a:ea typeface="+mj-ea"/>
+                <a:cs typeface="+mj-cs"/>
+              </a:rPr>
+              <a:t>Normalized Mutual Information</a:t>
+            </a:r>
+            <a:endParaRPr lang="en-US" sz="3200" b="1" kern="1200" dirty="0">
               <a:solidFill>
                 <a:schemeClr val="tx1"/>
               </a:solidFill>
@@ -8684,10 +8838,10 @@
       </p:sp>
       <p:pic>
         <p:nvPicPr>
-          <p:cNvPr id="15" name="Imagem 14" descr="Uma imagem com mesa&#10;&#10;Descrição gerada automaticamente">
-            <a:extLst>
-              <a:ext uri="{FF2B5EF4-FFF2-40B4-BE49-F238E27FC236}">
-                <a16:creationId xmlns:a16="http://schemas.microsoft.com/office/drawing/2014/main" id="{84D3C458-E8A9-42D6-8B1B-5B3C56BA1A39}"/>
+          <p:cNvPr id="8" name="Imagem 7">
+            <a:extLst>
+              <a:ext uri="{FF2B5EF4-FFF2-40B4-BE49-F238E27FC236}">
+                <a16:creationId xmlns:a16="http://schemas.microsoft.com/office/drawing/2014/main" id="{E9E2D78E-B902-440E-BAD4-FDB58E4C9302}"/>
               </a:ext>
             </a:extLst>
           </p:cNvPr>
@@ -8704,18 +8858,175 @@
         </p:blipFill>
         <p:spPr>
           <a:xfrm>
-            <a:off x="494784" y="2370683"/>
-            <a:ext cx="6132051" cy="1540040"/>
+            <a:off x="3139212" y="2465406"/>
+            <a:ext cx="5913573" cy="672780"/>
           </a:xfrm>
           <a:prstGeom prst="rect">
             <a:avLst/>
           </a:prstGeom>
         </p:spPr>
       </p:pic>
+      <p:pic>
+        <p:nvPicPr>
+          <p:cNvPr id="9" name="Imagem 8">
+            <a:extLst>
+              <a:ext uri="{FF2B5EF4-FFF2-40B4-BE49-F238E27FC236}">
+                <a16:creationId xmlns:a16="http://schemas.microsoft.com/office/drawing/2014/main" id="{67D3A06F-D449-4CCB-8360-DF1A131C8F3B}"/>
+              </a:ext>
+            </a:extLst>
+          </p:cNvPr>
+          <p:cNvPicPr>
+            <a:picLocks noChangeAspect="1"/>
+          </p:cNvPicPr>
+          <p:nvPr/>
+        </p:nvPicPr>
+        <p:blipFill rotWithShape="1">
+          <a:blip r:embed="rId3">
+            <a:extLst>
+              <a:ext uri="{28A0092B-C50C-407E-A947-70E740481C1C}">
+                <a14:useLocalDpi xmlns:a14="http://schemas.microsoft.com/office/drawing/2010/main" val="0"/>
+              </a:ext>
+            </a:extLst>
+          </a:blip>
+          <a:srcRect l="6361"/>
+          <a:stretch/>
+        </p:blipFill>
+        <p:spPr bwMode="auto">
+          <a:xfrm>
+            <a:off x="2198030" y="3453440"/>
+            <a:ext cx="3830393" cy="2530613"/>
+          </a:xfrm>
+          <a:prstGeom prst="rect">
+            <a:avLst/>
+          </a:prstGeom>
+          <a:noFill/>
+          <a:ln>
+            <a:noFill/>
+          </a:ln>
+          <a:extLst>
+            <a:ext uri="{53640926-AAD7-44D8-BBD7-CCE9431645EC}">
+              <a14:shadowObscured xmlns:a14="http://schemas.microsoft.com/office/drawing/2010/main"/>
+            </a:ext>
+          </a:extLst>
+        </p:spPr>
+      </p:pic>
+      <p:pic>
+        <p:nvPicPr>
+          <p:cNvPr id="10" name="Imagem 9">
+            <a:extLst>
+              <a:ext uri="{FF2B5EF4-FFF2-40B4-BE49-F238E27FC236}">
+                <a16:creationId xmlns:a16="http://schemas.microsoft.com/office/drawing/2014/main" id="{D13B262D-A3F9-4EB8-8466-1E732E328477}"/>
+              </a:ext>
+            </a:extLst>
+          </p:cNvPr>
+          <p:cNvPicPr>
+            <a:picLocks noChangeAspect="1"/>
+          </p:cNvPicPr>
+          <p:nvPr/>
+        </p:nvPicPr>
+        <p:blipFill>
+          <a:blip r:embed="rId4">
+            <a:extLst>
+              <a:ext uri="{28A0092B-C50C-407E-A947-70E740481C1C}">
+                <a14:useLocalDpi xmlns:a14="http://schemas.microsoft.com/office/drawing/2010/main" val="0"/>
+              </a:ext>
+            </a:extLst>
+          </a:blip>
+          <a:srcRect/>
+          <a:stretch>
+            <a:fillRect/>
+          </a:stretch>
+        </p:blipFill>
+        <p:spPr bwMode="auto">
+          <a:xfrm>
+            <a:off x="6028423" y="3453440"/>
+            <a:ext cx="4113231" cy="2544615"/>
+          </a:xfrm>
+          <a:prstGeom prst="rect">
+            <a:avLst/>
+          </a:prstGeom>
+          <a:noFill/>
+          <a:ln>
+            <a:noFill/>
+          </a:ln>
+        </p:spPr>
+      </p:pic>
+      <p:sp>
+        <p:nvSpPr>
+          <p:cNvPr id="3" name="CaixaDeTexto 2">
+            <a:extLst>
+              <a:ext uri="{FF2B5EF4-FFF2-40B4-BE49-F238E27FC236}">
+                <a16:creationId xmlns:a16="http://schemas.microsoft.com/office/drawing/2014/main" id="{D135DF00-5D11-445C-B8AA-AF6EFD9CB555}"/>
+              </a:ext>
+            </a:extLst>
+          </p:cNvPr>
+          <p:cNvSpPr txBox="1"/>
+          <p:nvPr/>
+        </p:nvSpPr>
+        <p:spPr>
+          <a:xfrm>
+            <a:off x="3582186" y="5867028"/>
+            <a:ext cx="1263192" cy="369332"/>
+          </a:xfrm>
+          <a:prstGeom prst="rect">
+            <a:avLst/>
+          </a:prstGeom>
+          <a:noFill/>
+        </p:spPr>
+        <p:txBody>
+          <a:bodyPr wrap="square" rtlCol="0">
+            <a:spAutoFit/>
+          </a:bodyPr>
+          <a:lstStyle/>
+          <a:p>
+            <a:pPr algn="ctr"/>
+            <a:r>
+              <a:rPr lang="pt-PT" dirty="0"/>
+              <a:t>LFR</a:t>
+            </a:r>
+          </a:p>
+        </p:txBody>
+      </p:sp>
+      <p:sp>
+        <p:nvSpPr>
+          <p:cNvPr id="11" name="CaixaDeTexto 10">
+            <a:extLst>
+              <a:ext uri="{FF2B5EF4-FFF2-40B4-BE49-F238E27FC236}">
+                <a16:creationId xmlns:a16="http://schemas.microsoft.com/office/drawing/2014/main" id="{592B4975-9B0E-4055-BC9A-CCA887100709}"/>
+              </a:ext>
+            </a:extLst>
+          </p:cNvPr>
+          <p:cNvSpPr txBox="1"/>
+          <p:nvPr/>
+        </p:nvSpPr>
+        <p:spPr>
+          <a:xfrm>
+            <a:off x="7645905" y="5867028"/>
+            <a:ext cx="1263192" cy="369332"/>
+          </a:xfrm>
+          <a:prstGeom prst="rect">
+            <a:avLst/>
+          </a:prstGeom>
+          <a:noFill/>
+        </p:spPr>
+        <p:txBody>
+          <a:bodyPr wrap="square" rtlCol="0">
+            <a:spAutoFit/>
+          </a:bodyPr>
+          <a:lstStyle/>
+          <a:p>
+            <a:pPr algn="ctr"/>
+            <a:r>
+              <a:rPr lang="pt-PT" dirty="0"/>
+              <a:t>SBM</a:t>
+            </a:r>
+          </a:p>
+        </p:txBody>
+      </p:sp>
     </p:spTree>
     <p:extLst>
       <p:ext uri="{BB962C8B-B14F-4D97-AF65-F5344CB8AC3E}">
-        <p14:creationId xmlns:p14="http://schemas.microsoft.com/office/powerpoint/2010/main" val="515608307"/>
+        <p14:creationId xmlns:p14="http://schemas.microsoft.com/office/powerpoint/2010/main" val="856155156"/>
       </p:ext>
     </p:extLst>
   </p:cSld>
@@ -8938,16 +9249,17 @@
           <a:lstStyle/>
           <a:p>
             <a:r>
-              <a:rPr lang="en-US" sz="4000" b="1" kern="1200" dirty="0">
-                <a:solidFill>
-                  <a:schemeClr val="tx1"/>
-                </a:solidFill>
-                <a:latin typeface="+mj-lt"/>
-                <a:ea typeface="+mj-ea"/>
-                <a:cs typeface="+mj-cs"/>
-              </a:rPr>
-              <a:t>Accuracy</a:t>
-            </a:r>
+              <a:rPr lang="en-US" sz="3200" b="1" dirty="0"/>
+              <a:t>Girvan-Newman Modularity</a:t>
+            </a:r>
+            <a:endParaRPr lang="en-US" sz="3200" b="1" kern="1200" dirty="0">
+              <a:solidFill>
+                <a:schemeClr val="tx1"/>
+              </a:solidFill>
+              <a:latin typeface="+mj-lt"/>
+              <a:ea typeface="+mj-ea"/>
+              <a:cs typeface="+mj-cs"/>
+            </a:endParaRPr>
           </a:p>
         </p:txBody>
       </p:sp>
@@ -9090,10 +9402,10 @@
       </p:sp>
       <p:pic>
         <p:nvPicPr>
-          <p:cNvPr id="8" name="Imagem 7">
-            <a:extLst>
-              <a:ext uri="{FF2B5EF4-FFF2-40B4-BE49-F238E27FC236}">
-                <a16:creationId xmlns:a16="http://schemas.microsoft.com/office/drawing/2014/main" id="{E9E2D78E-B902-440E-BAD4-FDB58E4C9302}"/>
+          <p:cNvPr id="15" name="Imagem 14" descr="Uma imagem com mesa&#10;&#10;Descrição gerada automaticamente">
+            <a:extLst>
+              <a:ext uri="{FF2B5EF4-FFF2-40B4-BE49-F238E27FC236}">
+                <a16:creationId xmlns:a16="http://schemas.microsoft.com/office/drawing/2014/main" id="{84D3C458-E8A9-42D6-8B1B-5B3C56BA1A39}"/>
               </a:ext>
             </a:extLst>
           </p:cNvPr>
@@ -9110,103 +9422,18 @@
         </p:blipFill>
         <p:spPr>
           <a:xfrm>
-            <a:off x="3139213" y="2278304"/>
-            <a:ext cx="5913573" cy="672780"/>
+            <a:off x="558792" y="2883527"/>
+            <a:ext cx="6424489" cy="1613484"/>
           </a:xfrm>
           <a:prstGeom prst="rect">
             <a:avLst/>
           </a:prstGeom>
-        </p:spPr>
-      </p:pic>
-      <p:pic>
-        <p:nvPicPr>
-          <p:cNvPr id="9" name="Imagem 8">
-            <a:extLst>
-              <a:ext uri="{FF2B5EF4-FFF2-40B4-BE49-F238E27FC236}">
-                <a16:creationId xmlns:a16="http://schemas.microsoft.com/office/drawing/2014/main" id="{67D3A06F-D449-4CCB-8360-DF1A131C8F3B}"/>
-              </a:ext>
-            </a:extLst>
-          </p:cNvPr>
-          <p:cNvPicPr>
-            <a:picLocks noChangeAspect="1"/>
-          </p:cNvPicPr>
-          <p:nvPr/>
-        </p:nvPicPr>
-        <p:blipFill rotWithShape="1">
-          <a:blip r:embed="rId3">
-            <a:extLst>
-              <a:ext uri="{28A0092B-C50C-407E-A947-70E740481C1C}">
-                <a14:useLocalDpi xmlns:a14="http://schemas.microsoft.com/office/drawing/2010/main" val="0"/>
-              </a:ext>
-            </a:extLst>
-          </a:blip>
-          <a:srcRect l="6361"/>
-          <a:stretch/>
-        </p:blipFill>
-        <p:spPr bwMode="auto">
-          <a:xfrm>
-            <a:off x="2265606" y="3429000"/>
-            <a:ext cx="3830393" cy="2530613"/>
-          </a:xfrm>
-          <a:prstGeom prst="rect">
-            <a:avLst/>
-          </a:prstGeom>
-          <a:noFill/>
-          <a:ln>
-            <a:noFill/>
-          </a:ln>
-          <a:extLst>
-            <a:ext uri="{53640926-AAD7-44D8-BBD7-CCE9431645EC}">
-              <a14:shadowObscured xmlns:a14="http://schemas.microsoft.com/office/drawing/2010/main"/>
-            </a:ext>
-          </a:extLst>
-        </p:spPr>
-      </p:pic>
-      <p:pic>
-        <p:nvPicPr>
-          <p:cNvPr id="10" name="Imagem 9">
-            <a:extLst>
-              <a:ext uri="{FF2B5EF4-FFF2-40B4-BE49-F238E27FC236}">
-                <a16:creationId xmlns:a16="http://schemas.microsoft.com/office/drawing/2014/main" id="{D13B262D-A3F9-4EB8-8466-1E732E328477}"/>
-              </a:ext>
-            </a:extLst>
-          </p:cNvPr>
-          <p:cNvPicPr>
-            <a:picLocks noChangeAspect="1"/>
-          </p:cNvPicPr>
-          <p:nvPr/>
-        </p:nvPicPr>
-        <p:blipFill>
-          <a:blip r:embed="rId4">
-            <a:extLst>
-              <a:ext uri="{28A0092B-C50C-407E-A947-70E740481C1C}">
-                <a14:useLocalDpi xmlns:a14="http://schemas.microsoft.com/office/drawing/2010/main" val="0"/>
-              </a:ext>
-            </a:extLst>
-          </a:blip>
-          <a:srcRect/>
-          <a:stretch>
-            <a:fillRect/>
-          </a:stretch>
-        </p:blipFill>
-        <p:spPr bwMode="auto">
-          <a:xfrm>
-            <a:off x="6017681" y="3429000"/>
-            <a:ext cx="4277568" cy="2646281"/>
-          </a:xfrm>
-          <a:prstGeom prst="rect">
-            <a:avLst/>
-          </a:prstGeom>
-          <a:noFill/>
-          <a:ln>
-            <a:noFill/>
-          </a:ln>
         </p:spPr>
       </p:pic>
     </p:spTree>
     <p:extLst>
       <p:ext uri="{BB962C8B-B14F-4D97-AF65-F5344CB8AC3E}">
-        <p14:creationId xmlns:p14="http://schemas.microsoft.com/office/powerpoint/2010/main" val="856155156"/>
+        <p14:creationId xmlns:p14="http://schemas.microsoft.com/office/powerpoint/2010/main" val="515608307"/>
       </p:ext>
     </p:extLst>
   </p:cSld>
